--- a/document/Ubuntu服务器相关.pptx
+++ b/document/Ubuntu服务器相关.pptx
@@ -7,6 +7,7 @@
   <p:sldIdLst>
     <p:sldId id="256" r:id="rId3"/>
     <p:sldId id="257" r:id="rId4"/>
+    <p:sldId id="258" r:id="rId5"/>
   </p:sldIdLst>
   <p:sldSz cx="12192000" cy="6858000"/>
   <p:notesSz cx="6858000" cy="9144000"/>
@@ -3082,6 +3083,1962 @@
 </p:sld>
 </file>
 
+<file path=ppt/slides/slide3.xml><?xml version="1.0" encoding="utf-8"?>
+<p:sld xmlns:a="http://schemas.openxmlformats.org/drawingml/2006/main" xmlns:r="http://schemas.openxmlformats.org/officeDocument/2006/relationships" xmlns:p="http://schemas.openxmlformats.org/presentationml/2006/main">
+  <p:cSld>
+    <p:spTree>
+      <p:nvGrpSpPr>
+        <p:cNvPr id="1" name=""/>
+        <p:cNvGrpSpPr/>
+        <p:nvPr/>
+      </p:nvGrpSpPr>
+      <p:grpSpPr/>
+      <p:grpSp>
+        <p:nvGrpSpPr>
+          <p:cNvPr id="19" name="组合 18"/>
+          <p:cNvGrpSpPr/>
+          <p:nvPr/>
+        </p:nvGrpSpPr>
+        <p:grpSpPr>
+          <a:xfrm>
+            <a:off x="114300" y="5799455"/>
+            <a:ext cx="1786255" cy="903605"/>
+            <a:chOff x="2600" y="6192"/>
+            <a:chExt cx="2813" cy="1423"/>
+          </a:xfrm>
+        </p:grpSpPr>
+        <p:sp>
+          <p:nvSpPr>
+            <p:cNvPr id="4" name="矩形 3"/>
+            <p:cNvSpPr/>
+            <p:nvPr/>
+          </p:nvSpPr>
+          <p:spPr>
+            <a:xfrm>
+              <a:off x="2600" y="6192"/>
+              <a:ext cx="2813" cy="1423"/>
+            </a:xfrm>
+            <a:prstGeom prst="rect">
+              <a:avLst/>
+            </a:prstGeom>
+          </p:spPr>
+          <p:style>
+            <a:lnRef idx="2">
+              <a:schemeClr val="accent1">
+                <a:shade val="50000"/>
+              </a:schemeClr>
+            </a:lnRef>
+            <a:fillRef idx="1">
+              <a:schemeClr val="accent1"/>
+            </a:fillRef>
+            <a:effectRef idx="0">
+              <a:schemeClr val="accent1"/>
+            </a:effectRef>
+            <a:fontRef idx="minor">
+              <a:schemeClr val="lt1"/>
+            </a:fontRef>
+          </p:style>
+          <p:txBody>
+            <a:bodyPr rtlCol="0" anchor="ctr"/>
+            <a:p>
+              <a:pPr algn="ctr"/>
+              <a:endParaRPr lang="zh-CN" altLang="en-US"/>
+            </a:p>
+          </p:txBody>
+        </p:sp>
+        <p:sp>
+          <p:nvSpPr>
+            <p:cNvPr id="5" name="文本框 4"/>
+            <p:cNvSpPr txBox="1"/>
+            <p:nvPr/>
+          </p:nvSpPr>
+          <p:spPr>
+            <a:xfrm>
+              <a:off x="2731" y="6613"/>
+              <a:ext cx="2551" cy="580"/>
+            </a:xfrm>
+            <a:prstGeom prst="rect">
+              <a:avLst/>
+            </a:prstGeom>
+            <a:noFill/>
+          </p:spPr>
+          <p:txBody>
+            <a:bodyPr wrap="square" rtlCol="0">
+              <a:spAutoFit/>
+            </a:bodyPr>
+            <a:p>
+              <a:pPr algn="ctr"/>
+              <a:r>
+                <a:rPr lang="zh-CN" altLang="en-US"/>
+                <a:t>计算机导论</a:t>
+              </a:r>
+              <a:r>
+                <a:rPr lang="en-US" altLang="zh-CN"/>
+                <a:t>B</a:t>
+              </a:r>
+              <a:endParaRPr lang="en-US" altLang="zh-CN"/>
+            </a:p>
+          </p:txBody>
+        </p:sp>
+      </p:grpSp>
+      <p:grpSp>
+        <p:nvGrpSpPr>
+          <p:cNvPr id="14" name="组合 13"/>
+          <p:cNvGrpSpPr/>
+          <p:nvPr/>
+        </p:nvGrpSpPr>
+        <p:grpSpPr>
+          <a:xfrm>
+            <a:off x="2276475" y="5805170"/>
+            <a:ext cx="1786255" cy="903605"/>
+            <a:chOff x="6005" y="6201"/>
+            <a:chExt cx="2813" cy="1423"/>
+          </a:xfrm>
+          <a:solidFill>
+            <a:schemeClr val="accent6"/>
+          </a:solidFill>
+        </p:grpSpPr>
+        <p:sp>
+          <p:nvSpPr>
+            <p:cNvPr id="6" name="矩形 5"/>
+            <p:cNvSpPr/>
+            <p:nvPr/>
+          </p:nvSpPr>
+          <p:spPr>
+            <a:xfrm>
+              <a:off x="6005" y="6201"/>
+              <a:ext cx="2813" cy="1423"/>
+            </a:xfrm>
+            <a:prstGeom prst="rect">
+              <a:avLst/>
+            </a:prstGeom>
+            <a:grpFill/>
+          </p:spPr>
+          <p:style>
+            <a:lnRef idx="2">
+              <a:schemeClr val="accent1">
+                <a:shade val="50000"/>
+              </a:schemeClr>
+            </a:lnRef>
+            <a:fillRef idx="1">
+              <a:schemeClr val="accent1"/>
+            </a:fillRef>
+            <a:effectRef idx="0">
+              <a:schemeClr val="accent1"/>
+            </a:effectRef>
+            <a:fontRef idx="minor">
+              <a:schemeClr val="lt1"/>
+            </a:fontRef>
+          </p:style>
+          <p:txBody>
+            <a:bodyPr rtlCol="0" anchor="ctr"/>
+            <a:p>
+              <a:pPr algn="ctr"/>
+              <a:endParaRPr lang="zh-CN" altLang="en-US"/>
+            </a:p>
+          </p:txBody>
+        </p:sp>
+        <p:sp>
+          <p:nvSpPr>
+            <p:cNvPr id="7" name="文本框 6"/>
+            <p:cNvSpPr txBox="1"/>
+            <p:nvPr/>
+          </p:nvSpPr>
+          <p:spPr>
+            <a:xfrm>
+              <a:off x="6136" y="6622"/>
+              <a:ext cx="2551" cy="580"/>
+            </a:xfrm>
+            <a:prstGeom prst="rect">
+              <a:avLst/>
+            </a:prstGeom>
+            <a:grpFill/>
+          </p:spPr>
+          <p:txBody>
+            <a:bodyPr wrap="square" rtlCol="0">
+              <a:spAutoFit/>
+            </a:bodyPr>
+            <a:p>
+              <a:pPr algn="ctr"/>
+              <a:r>
+                <a:rPr lang="zh-CN" altLang="en-US"/>
+                <a:t>计算机导论</a:t>
+              </a:r>
+              <a:r>
+                <a:rPr lang="en-US" altLang="zh-CN"/>
+                <a:t>A</a:t>
+              </a:r>
+              <a:endParaRPr lang="en-US" altLang="zh-CN"/>
+            </a:p>
+          </p:txBody>
+        </p:sp>
+      </p:grpSp>
+      <p:grpSp>
+        <p:nvGrpSpPr>
+          <p:cNvPr id="18" name="组合 17"/>
+          <p:cNvGrpSpPr/>
+          <p:nvPr/>
+        </p:nvGrpSpPr>
+        <p:grpSpPr>
+          <a:xfrm>
+            <a:off x="1134110" y="3879850"/>
+            <a:ext cx="1786255" cy="903605"/>
+            <a:chOff x="4206" y="3169"/>
+            <a:chExt cx="2813" cy="1423"/>
+          </a:xfrm>
+        </p:grpSpPr>
+        <p:sp>
+          <p:nvSpPr>
+            <p:cNvPr id="8" name="矩形 7"/>
+            <p:cNvSpPr/>
+            <p:nvPr/>
+          </p:nvSpPr>
+          <p:spPr>
+            <a:xfrm>
+              <a:off x="4206" y="3169"/>
+              <a:ext cx="2813" cy="1423"/>
+            </a:xfrm>
+            <a:prstGeom prst="rect">
+              <a:avLst/>
+            </a:prstGeom>
+          </p:spPr>
+          <p:style>
+            <a:lnRef idx="2">
+              <a:schemeClr val="accent1">
+                <a:shade val="50000"/>
+              </a:schemeClr>
+            </a:lnRef>
+            <a:fillRef idx="1">
+              <a:schemeClr val="accent1"/>
+            </a:fillRef>
+            <a:effectRef idx="0">
+              <a:schemeClr val="accent1"/>
+            </a:effectRef>
+            <a:fontRef idx="minor">
+              <a:schemeClr val="lt1"/>
+            </a:fontRef>
+          </p:style>
+          <p:txBody>
+            <a:bodyPr rtlCol="0" anchor="ctr"/>
+            <a:p>
+              <a:pPr algn="ctr"/>
+              <a:endParaRPr lang="zh-CN" altLang="en-US"/>
+            </a:p>
+          </p:txBody>
+        </p:sp>
+        <p:sp>
+          <p:nvSpPr>
+            <p:cNvPr id="9" name="文本框 8"/>
+            <p:cNvSpPr txBox="1"/>
+            <p:nvPr/>
+          </p:nvSpPr>
+          <p:spPr>
+            <a:xfrm>
+              <a:off x="4337" y="3373"/>
+              <a:ext cx="2551" cy="1016"/>
+            </a:xfrm>
+            <a:prstGeom prst="rect">
+              <a:avLst/>
+            </a:prstGeom>
+            <a:noFill/>
+          </p:spPr>
+          <p:txBody>
+            <a:bodyPr wrap="square" rtlCol="0">
+              <a:spAutoFit/>
+            </a:bodyPr>
+            <a:p>
+              <a:pPr algn="ctr"/>
+              <a:r>
+                <a:rPr lang="zh-CN" altLang="en-US"/>
+                <a:t>计算机程序设计基础</a:t>
+              </a:r>
+              <a:r>
+                <a:rPr lang="en-US" altLang="zh-CN"/>
+                <a:t>A</a:t>
+              </a:r>
+              <a:endParaRPr lang="en-US" altLang="zh-CN"/>
+            </a:p>
+          </p:txBody>
+        </p:sp>
+      </p:grpSp>
+      <p:cxnSp>
+        <p:nvCxnSpPr>
+          <p:cNvPr id="10" name="肘形连接符 9"/>
+          <p:cNvCxnSpPr/>
+          <p:nvPr/>
+        </p:nvCxnSpPr>
+        <p:spPr>
+          <a:xfrm rot="16200000">
+            <a:off x="1009650" y="4787265"/>
+            <a:ext cx="1016000" cy="1019810"/>
+          </a:xfrm>
+          <a:prstGeom prst="bentConnector3">
+            <a:avLst>
+              <a:gd name="adj1" fmla="val 51062"/>
+            </a:avLst>
+          </a:prstGeom>
+          <a:ln w="28575" cmpd="sng">
+            <a:solidFill>
+              <a:schemeClr val="accent1">
+                <a:shade val="50000"/>
+              </a:schemeClr>
+            </a:solidFill>
+            <a:prstDash val="sysDot"/>
+          </a:ln>
+        </p:spPr>
+        <p:style>
+          <a:lnRef idx="1">
+            <a:schemeClr val="accent1"/>
+          </a:lnRef>
+          <a:fillRef idx="0">
+            <a:schemeClr val="accent1"/>
+          </a:fillRef>
+          <a:effectRef idx="0">
+            <a:schemeClr val="accent1"/>
+          </a:effectRef>
+          <a:fontRef idx="minor">
+            <a:schemeClr val="tx1"/>
+          </a:fontRef>
+        </p:style>
+      </p:cxnSp>
+      <p:cxnSp>
+        <p:nvCxnSpPr>
+          <p:cNvPr id="11" name="肘形连接符 10"/>
+          <p:cNvCxnSpPr/>
+          <p:nvPr/>
+        </p:nvCxnSpPr>
+        <p:spPr>
+          <a:xfrm rot="16200000" flipV="1">
+            <a:off x="2091055" y="4725670"/>
+            <a:ext cx="1015365" cy="1142365"/>
+          </a:xfrm>
+          <a:prstGeom prst="bentConnector3">
+            <a:avLst>
+              <a:gd name="adj1" fmla="val 50969"/>
+            </a:avLst>
+          </a:prstGeom>
+          <a:ln w="28575" cmpd="sng">
+            <a:solidFill>
+              <a:schemeClr val="accent1">
+                <a:shade val="50000"/>
+              </a:schemeClr>
+            </a:solidFill>
+            <a:prstDash val="sysDot"/>
+          </a:ln>
+        </p:spPr>
+        <p:style>
+          <a:lnRef idx="1">
+            <a:schemeClr val="accent1"/>
+          </a:lnRef>
+          <a:fillRef idx="0">
+            <a:schemeClr val="accent1"/>
+          </a:fillRef>
+          <a:effectRef idx="0">
+            <a:schemeClr val="accent1"/>
+          </a:effectRef>
+          <a:fontRef idx="minor">
+            <a:schemeClr val="tx1"/>
+          </a:fontRef>
+        </p:style>
+      </p:cxnSp>
+      <p:sp>
+        <p:nvSpPr>
+          <p:cNvPr id="12" name="文本框 11"/>
+          <p:cNvSpPr txBox="1"/>
+          <p:nvPr/>
+        </p:nvSpPr>
+        <p:spPr>
+          <a:xfrm>
+            <a:off x="1325880" y="4973955"/>
+            <a:ext cx="383540" cy="368300"/>
+          </a:xfrm>
+          <a:prstGeom prst="rect">
+            <a:avLst/>
+          </a:prstGeom>
+          <a:noFill/>
+        </p:spPr>
+        <p:txBody>
+          <a:bodyPr wrap="none" rtlCol="0">
+            <a:spAutoFit/>
+          </a:bodyPr>
+          <a:p>
+            <a:r>
+              <a:rPr lang="en-US" altLang="zh-CN"/>
+              <a:t>or</a:t>
+            </a:r>
+            <a:endParaRPr lang="en-US" altLang="zh-CN"/>
+          </a:p>
+        </p:txBody>
+      </p:sp>
+      <p:sp>
+        <p:nvSpPr>
+          <p:cNvPr id="13" name="文本框 12"/>
+          <p:cNvSpPr txBox="1"/>
+          <p:nvPr/>
+        </p:nvSpPr>
+        <p:spPr>
+          <a:xfrm>
+            <a:off x="2406650" y="4973955"/>
+            <a:ext cx="383540" cy="368300"/>
+          </a:xfrm>
+          <a:prstGeom prst="rect">
+            <a:avLst/>
+          </a:prstGeom>
+          <a:noFill/>
+        </p:spPr>
+        <p:txBody>
+          <a:bodyPr wrap="none" rtlCol="0">
+            <a:spAutoFit/>
+          </a:bodyPr>
+          <a:p>
+            <a:r>
+              <a:rPr lang="en-US" altLang="zh-CN"/>
+              <a:t>or</a:t>
+            </a:r>
+            <a:endParaRPr lang="en-US" altLang="zh-CN"/>
+          </a:p>
+        </p:txBody>
+      </p:sp>
+      <p:grpSp>
+        <p:nvGrpSpPr>
+          <p:cNvPr id="15" name="组合 14"/>
+          <p:cNvGrpSpPr/>
+          <p:nvPr/>
+        </p:nvGrpSpPr>
+        <p:grpSpPr>
+          <a:xfrm>
+            <a:off x="1134110" y="2277745"/>
+            <a:ext cx="1786255" cy="903605"/>
+            <a:chOff x="6005" y="6191"/>
+            <a:chExt cx="2813" cy="1423"/>
+          </a:xfrm>
+          <a:solidFill>
+            <a:schemeClr val="accent4"/>
+          </a:solidFill>
+        </p:grpSpPr>
+        <p:sp>
+          <p:nvSpPr>
+            <p:cNvPr id="16" name="矩形 15"/>
+            <p:cNvSpPr/>
+            <p:nvPr/>
+          </p:nvSpPr>
+          <p:spPr>
+            <a:xfrm>
+              <a:off x="6005" y="6191"/>
+              <a:ext cx="2813" cy="1423"/>
+            </a:xfrm>
+            <a:prstGeom prst="rect">
+              <a:avLst/>
+            </a:prstGeom>
+            <a:grpFill/>
+          </p:spPr>
+          <p:style>
+            <a:lnRef idx="2">
+              <a:schemeClr val="accent1">
+                <a:shade val="50000"/>
+              </a:schemeClr>
+            </a:lnRef>
+            <a:fillRef idx="1">
+              <a:schemeClr val="accent1"/>
+            </a:fillRef>
+            <a:effectRef idx="0">
+              <a:schemeClr val="accent1"/>
+            </a:effectRef>
+            <a:fontRef idx="minor">
+              <a:schemeClr val="lt1"/>
+            </a:fontRef>
+          </p:style>
+          <p:txBody>
+            <a:bodyPr rtlCol="0" anchor="ctr"/>
+            <a:p>
+              <a:pPr algn="ctr"/>
+              <a:endParaRPr lang="zh-CN" altLang="en-US"/>
+            </a:p>
+          </p:txBody>
+        </p:sp>
+        <p:sp>
+          <p:nvSpPr>
+            <p:cNvPr id="17" name="文本框 16"/>
+            <p:cNvSpPr txBox="1"/>
+            <p:nvPr/>
+          </p:nvSpPr>
+          <p:spPr>
+            <a:xfrm>
+              <a:off x="6135" y="6395"/>
+              <a:ext cx="2551" cy="1016"/>
+            </a:xfrm>
+            <a:prstGeom prst="rect">
+              <a:avLst/>
+            </a:prstGeom>
+            <a:grpFill/>
+          </p:spPr>
+          <p:txBody>
+            <a:bodyPr wrap="square" rtlCol="0">
+              <a:spAutoFit/>
+            </a:bodyPr>
+            <a:p>
+              <a:pPr algn="ctr"/>
+              <a:r>
+                <a:rPr lang="zh-CN" altLang="en-US"/>
+                <a:t>数据结构与算法分析</a:t>
+              </a:r>
+              <a:endParaRPr lang="zh-CN" altLang="en-US"/>
+            </a:p>
+          </p:txBody>
+        </p:sp>
+      </p:grpSp>
+      <p:cxnSp>
+        <p:nvCxnSpPr>
+          <p:cNvPr id="21" name="直接连接符 20"/>
+          <p:cNvCxnSpPr>
+            <a:stCxn id="8" idx="0"/>
+            <a:endCxn id="16" idx="2"/>
+          </p:cNvCxnSpPr>
+          <p:nvPr/>
+        </p:nvCxnSpPr>
+        <p:spPr>
+          <a:xfrm flipV="1">
+            <a:off x="2027555" y="3181350"/>
+            <a:ext cx="0" cy="698500"/>
+          </a:xfrm>
+          <a:prstGeom prst="line">
+            <a:avLst/>
+          </a:prstGeom>
+          <a:ln w="28575" cmpd="sng">
+            <a:solidFill>
+              <a:schemeClr val="accent1">
+                <a:shade val="50000"/>
+              </a:schemeClr>
+            </a:solidFill>
+            <a:prstDash val="solid"/>
+          </a:ln>
+        </p:spPr>
+        <p:style>
+          <a:lnRef idx="1">
+            <a:schemeClr val="accent1"/>
+          </a:lnRef>
+          <a:fillRef idx="0">
+            <a:schemeClr val="accent1"/>
+          </a:fillRef>
+          <a:effectRef idx="0">
+            <a:schemeClr val="accent1"/>
+          </a:effectRef>
+          <a:fontRef idx="minor">
+            <a:schemeClr val="tx1"/>
+          </a:fontRef>
+        </p:style>
+      </p:cxnSp>
+      <p:grpSp>
+        <p:nvGrpSpPr>
+          <p:cNvPr id="22" name="组合 21"/>
+          <p:cNvGrpSpPr/>
+          <p:nvPr/>
+        </p:nvGrpSpPr>
+        <p:grpSpPr>
+          <a:xfrm>
+            <a:off x="3553460" y="2280285"/>
+            <a:ext cx="1786255" cy="903605"/>
+            <a:chOff x="6005" y="6201"/>
+            <a:chExt cx="2813" cy="1423"/>
+          </a:xfrm>
+          <a:solidFill>
+            <a:schemeClr val="accent4"/>
+          </a:solidFill>
+        </p:grpSpPr>
+        <p:sp>
+          <p:nvSpPr>
+            <p:cNvPr id="23" name="矩形 22"/>
+            <p:cNvSpPr/>
+            <p:nvPr/>
+          </p:nvSpPr>
+          <p:spPr>
+            <a:xfrm>
+              <a:off x="6005" y="6201"/>
+              <a:ext cx="2813" cy="1423"/>
+            </a:xfrm>
+            <a:prstGeom prst="rect">
+              <a:avLst/>
+            </a:prstGeom>
+            <a:grpFill/>
+          </p:spPr>
+          <p:style>
+            <a:lnRef idx="2">
+              <a:schemeClr val="accent1">
+                <a:shade val="50000"/>
+              </a:schemeClr>
+            </a:lnRef>
+            <a:fillRef idx="1">
+              <a:schemeClr val="accent1"/>
+            </a:fillRef>
+            <a:effectRef idx="0">
+              <a:schemeClr val="accent1"/>
+            </a:effectRef>
+            <a:fontRef idx="minor">
+              <a:schemeClr val="lt1"/>
+            </a:fontRef>
+          </p:style>
+          <p:txBody>
+            <a:bodyPr rtlCol="0" anchor="ctr"/>
+            <a:p>
+              <a:pPr algn="ctr"/>
+              <a:endParaRPr lang="zh-CN" altLang="en-US"/>
+            </a:p>
+          </p:txBody>
+        </p:sp>
+        <p:sp>
+          <p:nvSpPr>
+            <p:cNvPr id="24" name="文本框 23"/>
+            <p:cNvSpPr txBox="1"/>
+            <p:nvPr/>
+          </p:nvSpPr>
+          <p:spPr>
+            <a:xfrm>
+              <a:off x="6136" y="6622"/>
+              <a:ext cx="2551" cy="580"/>
+            </a:xfrm>
+            <a:prstGeom prst="rect">
+              <a:avLst/>
+            </a:prstGeom>
+            <a:grpFill/>
+          </p:spPr>
+          <p:txBody>
+            <a:bodyPr wrap="square" rtlCol="0">
+              <a:spAutoFit/>
+            </a:bodyPr>
+            <a:p>
+              <a:pPr algn="ctr"/>
+              <a:r>
+                <a:rPr lang="zh-CN" altLang="en-US"/>
+                <a:t>数字逻辑</a:t>
+              </a:r>
+              <a:endParaRPr lang="zh-CN" altLang="en-US"/>
+            </a:p>
+          </p:txBody>
+        </p:sp>
+      </p:grpSp>
+      <p:grpSp>
+        <p:nvGrpSpPr>
+          <p:cNvPr id="25" name="组合 24"/>
+          <p:cNvGrpSpPr/>
+          <p:nvPr/>
+        </p:nvGrpSpPr>
+        <p:grpSpPr>
+          <a:xfrm>
+            <a:off x="9036685" y="2278380"/>
+            <a:ext cx="1786255" cy="903605"/>
+            <a:chOff x="6005" y="6201"/>
+            <a:chExt cx="2813" cy="1423"/>
+          </a:xfrm>
+          <a:solidFill>
+            <a:schemeClr val="accent4"/>
+          </a:solidFill>
+        </p:grpSpPr>
+        <p:sp>
+          <p:nvSpPr>
+            <p:cNvPr id="26" name="矩形 25"/>
+            <p:cNvSpPr/>
+            <p:nvPr/>
+          </p:nvSpPr>
+          <p:spPr>
+            <a:xfrm>
+              <a:off x="6005" y="6201"/>
+              <a:ext cx="2813" cy="1423"/>
+            </a:xfrm>
+            <a:prstGeom prst="rect">
+              <a:avLst/>
+            </a:prstGeom>
+            <a:grpFill/>
+          </p:spPr>
+          <p:style>
+            <a:lnRef idx="2">
+              <a:schemeClr val="accent1">
+                <a:shade val="50000"/>
+              </a:schemeClr>
+            </a:lnRef>
+            <a:fillRef idx="1">
+              <a:schemeClr val="accent1"/>
+            </a:fillRef>
+            <a:effectRef idx="0">
+              <a:schemeClr val="accent1"/>
+            </a:effectRef>
+            <a:fontRef idx="minor">
+              <a:schemeClr val="lt1"/>
+            </a:fontRef>
+          </p:style>
+          <p:txBody>
+            <a:bodyPr rtlCol="0" anchor="ctr"/>
+            <a:p>
+              <a:pPr algn="ctr"/>
+              <a:endParaRPr lang="zh-CN" altLang="en-US"/>
+            </a:p>
+          </p:txBody>
+        </p:sp>
+        <p:sp>
+          <p:nvSpPr>
+            <p:cNvPr id="27" name="文本框 26"/>
+            <p:cNvSpPr txBox="1"/>
+            <p:nvPr/>
+          </p:nvSpPr>
+          <p:spPr>
+            <a:xfrm>
+              <a:off x="6136" y="6406"/>
+              <a:ext cx="2551" cy="1016"/>
+            </a:xfrm>
+            <a:prstGeom prst="rect">
+              <a:avLst/>
+            </a:prstGeom>
+            <a:grpFill/>
+          </p:spPr>
+          <p:txBody>
+            <a:bodyPr wrap="square" rtlCol="0">
+              <a:spAutoFit/>
+            </a:bodyPr>
+            <a:p>
+              <a:pPr algn="ctr"/>
+              <a:r>
+                <a:rPr lang="zh-CN" altLang="en-US"/>
+                <a:t>概率论与数理统计</a:t>
+              </a:r>
+              <a:endParaRPr lang="zh-CN" altLang="en-US"/>
+            </a:p>
+          </p:txBody>
+        </p:sp>
+      </p:grpSp>
+      <p:grpSp>
+        <p:nvGrpSpPr>
+          <p:cNvPr id="28" name="组合 27"/>
+          <p:cNvGrpSpPr/>
+          <p:nvPr/>
+        </p:nvGrpSpPr>
+        <p:grpSpPr>
+          <a:xfrm>
+            <a:off x="6925310" y="5805170"/>
+            <a:ext cx="1786255" cy="903605"/>
+            <a:chOff x="6005" y="6201"/>
+            <a:chExt cx="2813" cy="1423"/>
+          </a:xfrm>
+        </p:grpSpPr>
+        <p:sp>
+          <p:nvSpPr>
+            <p:cNvPr id="29" name="矩形 28"/>
+            <p:cNvSpPr/>
+            <p:nvPr/>
+          </p:nvSpPr>
+          <p:spPr>
+            <a:xfrm>
+              <a:off x="6005" y="6201"/>
+              <a:ext cx="2813" cy="1423"/>
+            </a:xfrm>
+            <a:prstGeom prst="rect">
+              <a:avLst/>
+            </a:prstGeom>
+          </p:spPr>
+          <p:style>
+            <a:lnRef idx="2">
+              <a:schemeClr val="accent1">
+                <a:shade val="50000"/>
+              </a:schemeClr>
+            </a:lnRef>
+            <a:fillRef idx="1">
+              <a:schemeClr val="accent1"/>
+            </a:fillRef>
+            <a:effectRef idx="0">
+              <a:schemeClr val="accent1"/>
+            </a:effectRef>
+            <a:fontRef idx="minor">
+              <a:schemeClr val="lt1"/>
+            </a:fontRef>
+          </p:style>
+          <p:txBody>
+            <a:bodyPr rtlCol="0" anchor="ctr"/>
+            <a:p>
+              <a:pPr algn="ctr"/>
+              <a:endParaRPr lang="zh-CN" altLang="en-US"/>
+            </a:p>
+          </p:txBody>
+        </p:sp>
+        <p:sp>
+          <p:nvSpPr>
+            <p:cNvPr id="30" name="文本框 29"/>
+            <p:cNvSpPr txBox="1"/>
+            <p:nvPr/>
+          </p:nvSpPr>
+          <p:spPr>
+            <a:xfrm>
+              <a:off x="6136" y="6622"/>
+              <a:ext cx="2551" cy="580"/>
+            </a:xfrm>
+            <a:prstGeom prst="rect">
+              <a:avLst/>
+            </a:prstGeom>
+            <a:noFill/>
+          </p:spPr>
+          <p:txBody>
+            <a:bodyPr wrap="square" rtlCol="0">
+              <a:spAutoFit/>
+            </a:bodyPr>
+            <a:p>
+              <a:pPr algn="ctr"/>
+              <a:r>
+                <a:rPr lang="zh-CN" altLang="en-US"/>
+                <a:t>高等数学</a:t>
+              </a:r>
+              <a:r>
+                <a:rPr lang="en-US" altLang="zh-CN"/>
+                <a:t>A(</a:t>
+              </a:r>
+              <a:r>
+                <a:rPr lang="zh-CN" altLang="en-US"/>
+                <a:t>上</a:t>
+              </a:r>
+              <a:r>
+                <a:rPr lang="en-US" altLang="zh-CN"/>
+                <a:t>)</a:t>
+              </a:r>
+              <a:endParaRPr lang="en-US" altLang="zh-CN"/>
+            </a:p>
+          </p:txBody>
+        </p:sp>
+      </p:grpSp>
+      <p:grpSp>
+        <p:nvGrpSpPr>
+          <p:cNvPr id="31" name="组合 30"/>
+          <p:cNvGrpSpPr/>
+          <p:nvPr/>
+        </p:nvGrpSpPr>
+        <p:grpSpPr>
+          <a:xfrm>
+            <a:off x="7745095" y="4010025"/>
+            <a:ext cx="1786255" cy="903605"/>
+            <a:chOff x="6005" y="6201"/>
+            <a:chExt cx="2813" cy="1423"/>
+          </a:xfrm>
+        </p:grpSpPr>
+        <p:sp>
+          <p:nvSpPr>
+            <p:cNvPr id="32" name="矩形 31"/>
+            <p:cNvSpPr/>
+            <p:nvPr/>
+          </p:nvSpPr>
+          <p:spPr>
+            <a:xfrm>
+              <a:off x="6005" y="6201"/>
+              <a:ext cx="2813" cy="1423"/>
+            </a:xfrm>
+            <a:prstGeom prst="rect">
+              <a:avLst/>
+            </a:prstGeom>
+          </p:spPr>
+          <p:style>
+            <a:lnRef idx="2">
+              <a:schemeClr val="accent1">
+                <a:shade val="50000"/>
+              </a:schemeClr>
+            </a:lnRef>
+            <a:fillRef idx="1">
+              <a:schemeClr val="accent1"/>
+            </a:fillRef>
+            <a:effectRef idx="0">
+              <a:schemeClr val="accent1"/>
+            </a:effectRef>
+            <a:fontRef idx="minor">
+              <a:schemeClr val="lt1"/>
+            </a:fontRef>
+          </p:style>
+          <p:txBody>
+            <a:bodyPr rtlCol="0" anchor="ctr"/>
+            <a:p>
+              <a:pPr algn="ctr"/>
+              <a:endParaRPr lang="zh-CN" altLang="en-US"/>
+            </a:p>
+          </p:txBody>
+        </p:sp>
+        <p:sp>
+          <p:nvSpPr>
+            <p:cNvPr id="33" name="文本框 32"/>
+            <p:cNvSpPr txBox="1"/>
+            <p:nvPr/>
+          </p:nvSpPr>
+          <p:spPr>
+            <a:xfrm>
+              <a:off x="6136" y="6622"/>
+              <a:ext cx="2551" cy="580"/>
+            </a:xfrm>
+            <a:prstGeom prst="rect">
+              <a:avLst/>
+            </a:prstGeom>
+            <a:noFill/>
+          </p:spPr>
+          <p:txBody>
+            <a:bodyPr wrap="square" rtlCol="0">
+              <a:spAutoFit/>
+            </a:bodyPr>
+            <a:p>
+              <a:pPr algn="ctr"/>
+              <a:r>
+                <a:rPr lang="zh-CN" altLang="en-US"/>
+                <a:t>高等数学</a:t>
+              </a:r>
+              <a:r>
+                <a:rPr lang="en-US" altLang="zh-CN"/>
+                <a:t>A(</a:t>
+              </a:r>
+              <a:r>
+                <a:rPr lang="zh-CN" altLang="en-US"/>
+                <a:t>下</a:t>
+              </a:r>
+              <a:r>
+                <a:rPr lang="en-US" altLang="zh-CN"/>
+                <a:t>)</a:t>
+              </a:r>
+              <a:endParaRPr lang="en-US" altLang="zh-CN"/>
+            </a:p>
+          </p:txBody>
+        </p:sp>
+      </p:grpSp>
+      <p:grpSp>
+        <p:nvGrpSpPr>
+          <p:cNvPr id="35" name="组合 34"/>
+          <p:cNvGrpSpPr/>
+          <p:nvPr/>
+        </p:nvGrpSpPr>
+        <p:grpSpPr>
+          <a:xfrm>
+            <a:off x="9280525" y="5805170"/>
+            <a:ext cx="1786255" cy="903605"/>
+            <a:chOff x="6005" y="6201"/>
+            <a:chExt cx="2813" cy="1423"/>
+          </a:xfrm>
+          <a:noFill/>
+        </p:grpSpPr>
+        <p:sp>
+          <p:nvSpPr>
+            <p:cNvPr id="36" name="矩形 35"/>
+            <p:cNvSpPr/>
+            <p:nvPr/>
+          </p:nvSpPr>
+          <p:spPr>
+            <a:xfrm>
+              <a:off x="6005" y="6201"/>
+              <a:ext cx="2813" cy="1423"/>
+            </a:xfrm>
+            <a:prstGeom prst="rect">
+              <a:avLst/>
+            </a:prstGeom>
+            <a:grpFill/>
+          </p:spPr>
+          <p:style>
+            <a:lnRef idx="2">
+              <a:schemeClr val="accent1">
+                <a:shade val="50000"/>
+              </a:schemeClr>
+            </a:lnRef>
+            <a:fillRef idx="1">
+              <a:schemeClr val="accent1"/>
+            </a:fillRef>
+            <a:effectRef idx="0">
+              <a:schemeClr val="accent1"/>
+            </a:effectRef>
+            <a:fontRef idx="minor">
+              <a:schemeClr val="lt1"/>
+            </a:fontRef>
+          </p:style>
+          <p:txBody>
+            <a:bodyPr rtlCol="0" anchor="ctr"/>
+            <a:p>
+              <a:pPr algn="ctr"/>
+              <a:endParaRPr lang="zh-CN" altLang="en-US"/>
+            </a:p>
+          </p:txBody>
+        </p:sp>
+        <p:sp>
+          <p:nvSpPr>
+            <p:cNvPr id="37" name="文本框 36"/>
+            <p:cNvSpPr txBox="1"/>
+            <p:nvPr/>
+          </p:nvSpPr>
+          <p:spPr>
+            <a:xfrm>
+              <a:off x="6136" y="6622"/>
+              <a:ext cx="2551" cy="580"/>
+            </a:xfrm>
+            <a:prstGeom prst="rect">
+              <a:avLst/>
+            </a:prstGeom>
+            <a:grpFill/>
+          </p:spPr>
+          <p:txBody>
+            <a:bodyPr wrap="square" rtlCol="0">
+              <a:spAutoFit/>
+            </a:bodyPr>
+            <a:p>
+              <a:pPr algn="ctr"/>
+              <a:r>
+                <a:rPr lang="zh-CN" altLang="en-US"/>
+                <a:t>数学分析</a:t>
+              </a:r>
+              <a:r>
+                <a:rPr lang="en-US" altLang="zh-CN"/>
+                <a:t>I</a:t>
+              </a:r>
+              <a:endParaRPr lang="en-US" altLang="zh-CN"/>
+            </a:p>
+          </p:txBody>
+        </p:sp>
+      </p:grpSp>
+      <p:cxnSp>
+        <p:nvCxnSpPr>
+          <p:cNvPr id="38" name="肘形连接符 37"/>
+          <p:cNvCxnSpPr/>
+          <p:nvPr/>
+        </p:nvCxnSpPr>
+        <p:spPr>
+          <a:xfrm rot="16200000">
+            <a:off x="7599680" y="4781550"/>
+            <a:ext cx="892175" cy="1155065"/>
+          </a:xfrm>
+          <a:prstGeom prst="bentConnector3">
+            <a:avLst>
+              <a:gd name="adj1" fmla="val 49964"/>
+            </a:avLst>
+          </a:prstGeom>
+          <a:ln w="28575" cmpd="sng">
+            <a:solidFill>
+              <a:schemeClr val="accent1">
+                <a:shade val="50000"/>
+              </a:schemeClr>
+            </a:solidFill>
+            <a:prstDash val="sysDot"/>
+          </a:ln>
+        </p:spPr>
+        <p:style>
+          <a:lnRef idx="1">
+            <a:schemeClr val="accent1"/>
+          </a:lnRef>
+          <a:fillRef idx="0">
+            <a:schemeClr val="accent1"/>
+          </a:fillRef>
+          <a:effectRef idx="0">
+            <a:schemeClr val="accent1"/>
+          </a:effectRef>
+          <a:fontRef idx="minor">
+            <a:schemeClr val="tx1"/>
+          </a:fontRef>
+        </p:style>
+      </p:cxnSp>
+      <p:cxnSp>
+        <p:nvCxnSpPr>
+          <p:cNvPr id="39" name="肘形连接符 38"/>
+          <p:cNvCxnSpPr/>
+          <p:nvPr/>
+        </p:nvCxnSpPr>
+        <p:spPr>
+          <a:xfrm rot="16200000" flipV="1">
+            <a:off x="8777288" y="4759008"/>
+            <a:ext cx="892175" cy="1200150"/>
+          </a:xfrm>
+          <a:prstGeom prst="bentConnector3">
+            <a:avLst>
+              <a:gd name="adj1" fmla="val 50000"/>
+            </a:avLst>
+          </a:prstGeom>
+          <a:ln w="28575" cmpd="sng">
+            <a:solidFill>
+              <a:schemeClr val="accent1">
+                <a:shade val="50000"/>
+              </a:schemeClr>
+            </a:solidFill>
+            <a:prstDash val="sysDot"/>
+          </a:ln>
+        </p:spPr>
+        <p:style>
+          <a:lnRef idx="1">
+            <a:schemeClr val="accent1"/>
+          </a:lnRef>
+          <a:fillRef idx="0">
+            <a:schemeClr val="accent1"/>
+          </a:fillRef>
+          <a:effectRef idx="0">
+            <a:schemeClr val="accent1"/>
+          </a:effectRef>
+          <a:fontRef idx="minor">
+            <a:schemeClr val="tx1"/>
+          </a:fontRef>
+        </p:style>
+      </p:cxnSp>
+      <p:grpSp>
+        <p:nvGrpSpPr>
+          <p:cNvPr id="40" name="组合 39"/>
+          <p:cNvGrpSpPr/>
+          <p:nvPr/>
+        </p:nvGrpSpPr>
+        <p:grpSpPr>
+          <a:xfrm>
+            <a:off x="10336530" y="4008755"/>
+            <a:ext cx="1786255" cy="903605"/>
+            <a:chOff x="6005" y="6201"/>
+            <a:chExt cx="2813" cy="1423"/>
+          </a:xfrm>
+          <a:noFill/>
+        </p:grpSpPr>
+        <p:sp>
+          <p:nvSpPr>
+            <p:cNvPr id="41" name="矩形 40"/>
+            <p:cNvSpPr/>
+            <p:nvPr/>
+          </p:nvSpPr>
+          <p:spPr>
+            <a:xfrm>
+              <a:off x="6005" y="6201"/>
+              <a:ext cx="2813" cy="1423"/>
+            </a:xfrm>
+            <a:prstGeom prst="rect">
+              <a:avLst/>
+            </a:prstGeom>
+            <a:grpFill/>
+          </p:spPr>
+          <p:style>
+            <a:lnRef idx="2">
+              <a:schemeClr val="accent1">
+                <a:shade val="50000"/>
+              </a:schemeClr>
+            </a:lnRef>
+            <a:fillRef idx="1">
+              <a:schemeClr val="accent1"/>
+            </a:fillRef>
+            <a:effectRef idx="0">
+              <a:schemeClr val="accent1"/>
+            </a:effectRef>
+            <a:fontRef idx="minor">
+              <a:schemeClr val="lt1"/>
+            </a:fontRef>
+          </p:style>
+          <p:txBody>
+            <a:bodyPr rtlCol="0" anchor="ctr"/>
+            <a:p>
+              <a:pPr algn="ctr"/>
+              <a:endParaRPr lang="zh-CN" altLang="en-US"/>
+            </a:p>
+          </p:txBody>
+        </p:sp>
+        <p:sp>
+          <p:nvSpPr>
+            <p:cNvPr id="42" name="文本框 41"/>
+            <p:cNvSpPr txBox="1"/>
+            <p:nvPr/>
+          </p:nvSpPr>
+          <p:spPr>
+            <a:xfrm>
+              <a:off x="6136" y="6622"/>
+              <a:ext cx="2551" cy="580"/>
+            </a:xfrm>
+            <a:prstGeom prst="rect">
+              <a:avLst/>
+            </a:prstGeom>
+            <a:grpFill/>
+          </p:spPr>
+          <p:txBody>
+            <a:bodyPr wrap="square" rtlCol="0">
+              <a:spAutoFit/>
+            </a:bodyPr>
+            <a:p>
+              <a:pPr algn="ctr"/>
+              <a:r>
+                <a:rPr lang="zh-CN" altLang="en-US"/>
+                <a:t>数学分析</a:t>
+              </a:r>
+              <a:r>
+                <a:rPr lang="en-US" altLang="zh-CN"/>
+                <a:t>II</a:t>
+              </a:r>
+              <a:endParaRPr lang="en-US" altLang="zh-CN"/>
+            </a:p>
+          </p:txBody>
+        </p:sp>
+      </p:grpSp>
+      <p:cxnSp>
+        <p:nvCxnSpPr>
+          <p:cNvPr id="44" name="肘形连接符 43"/>
+          <p:cNvCxnSpPr/>
+          <p:nvPr/>
+        </p:nvCxnSpPr>
+        <p:spPr>
+          <a:xfrm rot="16200000">
+            <a:off x="8851583" y="2954338"/>
+            <a:ext cx="826770" cy="1283335"/>
+          </a:xfrm>
+          <a:prstGeom prst="bentConnector3">
+            <a:avLst>
+              <a:gd name="adj1" fmla="val 50038"/>
+            </a:avLst>
+          </a:prstGeom>
+          <a:ln w="28575" cmpd="sng">
+            <a:solidFill>
+              <a:schemeClr val="accent1">
+                <a:shade val="50000"/>
+              </a:schemeClr>
+            </a:solidFill>
+            <a:prstDash val="sysDot"/>
+          </a:ln>
+        </p:spPr>
+        <p:style>
+          <a:lnRef idx="1">
+            <a:schemeClr val="accent1"/>
+          </a:lnRef>
+          <a:fillRef idx="0">
+            <a:schemeClr val="accent1"/>
+          </a:fillRef>
+          <a:effectRef idx="0">
+            <a:schemeClr val="accent1"/>
+          </a:effectRef>
+          <a:fontRef idx="minor">
+            <a:schemeClr val="tx1"/>
+          </a:fontRef>
+        </p:style>
+      </p:cxnSp>
+      <p:cxnSp>
+        <p:nvCxnSpPr>
+          <p:cNvPr id="45" name="肘形连接符 44"/>
+          <p:cNvCxnSpPr/>
+          <p:nvPr/>
+        </p:nvCxnSpPr>
+        <p:spPr>
+          <a:xfrm rot="16200000" flipV="1">
+            <a:off x="10146983" y="2942273"/>
+            <a:ext cx="827405" cy="1308100"/>
+          </a:xfrm>
+          <a:prstGeom prst="bentConnector3">
+            <a:avLst>
+              <a:gd name="adj1" fmla="val 50000"/>
+            </a:avLst>
+          </a:prstGeom>
+          <a:ln w="28575" cmpd="sng">
+            <a:solidFill>
+              <a:schemeClr val="accent1">
+                <a:shade val="50000"/>
+              </a:schemeClr>
+            </a:solidFill>
+            <a:prstDash val="sysDot"/>
+          </a:ln>
+        </p:spPr>
+        <p:style>
+          <a:lnRef idx="1">
+            <a:schemeClr val="accent1"/>
+          </a:lnRef>
+          <a:fillRef idx="0">
+            <a:schemeClr val="accent1"/>
+          </a:fillRef>
+          <a:effectRef idx="0">
+            <a:schemeClr val="accent1"/>
+          </a:effectRef>
+          <a:fontRef idx="minor">
+            <a:schemeClr val="tx1"/>
+          </a:fontRef>
+        </p:style>
+      </p:cxnSp>
+      <p:cxnSp>
+        <p:nvCxnSpPr>
+          <p:cNvPr id="46" name="肘形连接符 45"/>
+          <p:cNvCxnSpPr/>
+          <p:nvPr/>
+        </p:nvCxnSpPr>
+        <p:spPr>
+          <a:xfrm rot="16200000">
+            <a:off x="10073323" y="4663758"/>
+            <a:ext cx="891540" cy="1391285"/>
+          </a:xfrm>
+          <a:prstGeom prst="bentConnector3">
+            <a:avLst>
+              <a:gd name="adj1" fmla="val 50036"/>
+            </a:avLst>
+          </a:prstGeom>
+          <a:ln w="28575" cmpd="sng">
+            <a:solidFill>
+              <a:schemeClr val="accent1">
+                <a:shade val="50000"/>
+              </a:schemeClr>
+            </a:solidFill>
+            <a:prstDash val="solid"/>
+          </a:ln>
+        </p:spPr>
+        <p:style>
+          <a:lnRef idx="1">
+            <a:schemeClr val="accent1"/>
+          </a:lnRef>
+          <a:fillRef idx="0">
+            <a:schemeClr val="accent1"/>
+          </a:fillRef>
+          <a:effectRef idx="0">
+            <a:schemeClr val="accent1"/>
+          </a:effectRef>
+          <a:fontRef idx="minor">
+            <a:schemeClr val="tx1"/>
+          </a:fontRef>
+        </p:style>
+      </p:cxnSp>
+      <p:grpSp>
+        <p:nvGrpSpPr>
+          <p:cNvPr id="47" name="组合 46"/>
+          <p:cNvGrpSpPr/>
+          <p:nvPr/>
+        </p:nvGrpSpPr>
+        <p:grpSpPr>
+          <a:xfrm>
+            <a:off x="6638925" y="454660"/>
+            <a:ext cx="1786255" cy="903605"/>
+            <a:chOff x="6005" y="6201"/>
+            <a:chExt cx="2813" cy="1423"/>
+          </a:xfrm>
+          <a:solidFill>
+            <a:schemeClr val="accent4"/>
+          </a:solidFill>
+        </p:grpSpPr>
+        <p:sp>
+          <p:nvSpPr>
+            <p:cNvPr id="48" name="矩形 47"/>
+            <p:cNvSpPr/>
+            <p:nvPr/>
+          </p:nvSpPr>
+          <p:spPr>
+            <a:xfrm>
+              <a:off x="6005" y="6201"/>
+              <a:ext cx="2813" cy="1423"/>
+            </a:xfrm>
+            <a:prstGeom prst="rect">
+              <a:avLst/>
+            </a:prstGeom>
+            <a:grpFill/>
+          </p:spPr>
+          <p:style>
+            <a:lnRef idx="2">
+              <a:schemeClr val="accent1">
+                <a:shade val="50000"/>
+              </a:schemeClr>
+            </a:lnRef>
+            <a:fillRef idx="1">
+              <a:schemeClr val="accent1"/>
+            </a:fillRef>
+            <a:effectRef idx="0">
+              <a:schemeClr val="accent1"/>
+            </a:effectRef>
+            <a:fontRef idx="minor">
+              <a:schemeClr val="lt1"/>
+            </a:fontRef>
+          </p:style>
+          <p:txBody>
+            <a:bodyPr rtlCol="0" anchor="ctr"/>
+            <a:p>
+              <a:pPr algn="ctr"/>
+              <a:endParaRPr lang="zh-CN" altLang="en-US"/>
+            </a:p>
+          </p:txBody>
+        </p:sp>
+        <p:sp>
+          <p:nvSpPr>
+            <p:cNvPr id="49" name="文本框 48"/>
+            <p:cNvSpPr txBox="1"/>
+            <p:nvPr/>
+          </p:nvSpPr>
+          <p:spPr>
+            <a:xfrm>
+              <a:off x="6136" y="6622"/>
+              <a:ext cx="2551" cy="580"/>
+            </a:xfrm>
+            <a:prstGeom prst="rect">
+              <a:avLst/>
+            </a:prstGeom>
+            <a:grpFill/>
+          </p:spPr>
+          <p:txBody>
+            <a:bodyPr wrap="square" rtlCol="0">
+              <a:spAutoFit/>
+            </a:bodyPr>
+            <a:p>
+              <a:pPr algn="ctr"/>
+              <a:r>
+                <a:rPr lang="zh-CN" altLang="en-US"/>
+                <a:t>离散数学</a:t>
+              </a:r>
+              <a:endParaRPr lang="zh-CN" altLang="en-US"/>
+            </a:p>
+          </p:txBody>
+        </p:sp>
+      </p:grpSp>
+      <p:cxnSp>
+        <p:nvCxnSpPr>
+          <p:cNvPr id="51" name="肘形连接符 50"/>
+          <p:cNvCxnSpPr/>
+          <p:nvPr/>
+        </p:nvCxnSpPr>
+        <p:spPr>
+          <a:xfrm rot="16200000" flipV="1">
+            <a:off x="7219950" y="2573020"/>
+            <a:ext cx="1724660" cy="1099820"/>
+          </a:xfrm>
+          <a:prstGeom prst="bentConnector3">
+            <a:avLst>
+              <a:gd name="adj1" fmla="val 22569"/>
+            </a:avLst>
+          </a:prstGeom>
+          <a:ln w="28575" cmpd="sng">
+            <a:solidFill>
+              <a:schemeClr val="accent1">
+                <a:shade val="50000"/>
+              </a:schemeClr>
+            </a:solidFill>
+            <a:prstDash val="solid"/>
+          </a:ln>
+        </p:spPr>
+        <p:style>
+          <a:lnRef idx="1">
+            <a:schemeClr val="accent1"/>
+          </a:lnRef>
+          <a:fillRef idx="0">
+            <a:schemeClr val="accent1"/>
+          </a:fillRef>
+          <a:effectRef idx="0">
+            <a:schemeClr val="accent1"/>
+          </a:effectRef>
+          <a:fontRef idx="minor">
+            <a:schemeClr val="tx1"/>
+          </a:fontRef>
+        </p:style>
+      </p:cxnSp>
+      <p:grpSp>
+        <p:nvGrpSpPr>
+          <p:cNvPr id="52" name="组合 51"/>
+          <p:cNvGrpSpPr/>
+          <p:nvPr/>
+        </p:nvGrpSpPr>
+        <p:grpSpPr>
+          <a:xfrm>
+            <a:off x="4684395" y="5805170"/>
+            <a:ext cx="1786255" cy="903605"/>
+            <a:chOff x="6005" y="6201"/>
+            <a:chExt cx="2813" cy="1423"/>
+          </a:xfrm>
+        </p:grpSpPr>
+        <p:sp>
+          <p:nvSpPr>
+            <p:cNvPr id="53" name="矩形 52"/>
+            <p:cNvSpPr/>
+            <p:nvPr/>
+          </p:nvSpPr>
+          <p:spPr>
+            <a:xfrm>
+              <a:off x="6005" y="6201"/>
+              <a:ext cx="2813" cy="1423"/>
+            </a:xfrm>
+            <a:prstGeom prst="rect">
+              <a:avLst/>
+            </a:prstGeom>
+          </p:spPr>
+          <p:style>
+            <a:lnRef idx="2">
+              <a:schemeClr val="accent1">
+                <a:shade val="50000"/>
+              </a:schemeClr>
+            </a:lnRef>
+            <a:fillRef idx="1">
+              <a:schemeClr val="accent1"/>
+            </a:fillRef>
+            <a:effectRef idx="0">
+              <a:schemeClr val="accent1"/>
+            </a:effectRef>
+            <a:fontRef idx="minor">
+              <a:schemeClr val="lt1"/>
+            </a:fontRef>
+          </p:style>
+          <p:txBody>
+            <a:bodyPr rtlCol="0" anchor="ctr"/>
+            <a:p>
+              <a:pPr algn="ctr"/>
+              <a:endParaRPr lang="zh-CN" altLang="en-US"/>
+            </a:p>
+          </p:txBody>
+        </p:sp>
+        <p:sp>
+          <p:nvSpPr>
+            <p:cNvPr id="54" name="文本框 53"/>
+            <p:cNvSpPr txBox="1"/>
+            <p:nvPr/>
+          </p:nvSpPr>
+          <p:spPr>
+            <a:xfrm>
+              <a:off x="6136" y="6622"/>
+              <a:ext cx="2551" cy="580"/>
+            </a:xfrm>
+            <a:prstGeom prst="rect">
+              <a:avLst/>
+            </a:prstGeom>
+            <a:noFill/>
+          </p:spPr>
+          <p:txBody>
+            <a:bodyPr wrap="square" rtlCol="0">
+              <a:spAutoFit/>
+            </a:bodyPr>
+            <a:p>
+              <a:pPr algn="ctr"/>
+              <a:r>
+                <a:rPr lang="zh-CN" altLang="en-US"/>
+                <a:t>线性代数</a:t>
+              </a:r>
+              <a:r>
+                <a:rPr lang="en-US" altLang="zh-CN"/>
+                <a:t>I</a:t>
+              </a:r>
+              <a:endParaRPr lang="en-US" altLang="zh-CN"/>
+            </a:p>
+          </p:txBody>
+        </p:sp>
+      </p:grpSp>
+      <p:cxnSp>
+        <p:nvCxnSpPr>
+          <p:cNvPr id="55" name="肘形连接符 54"/>
+          <p:cNvCxnSpPr>
+            <a:stCxn id="53" idx="0"/>
+            <a:endCxn id="48" idx="2"/>
+          </p:cNvCxnSpPr>
+          <p:nvPr/>
+        </p:nvCxnSpPr>
+        <p:spPr>
+          <a:xfrm rot="16200000">
+            <a:off x="4331653" y="2604453"/>
+            <a:ext cx="4446905" cy="1954530"/>
+          </a:xfrm>
+          <a:prstGeom prst="bentConnector3">
+            <a:avLst>
+              <a:gd name="adj1" fmla="val 50000"/>
+            </a:avLst>
+          </a:prstGeom>
+          <a:ln w="28575" cmpd="sng">
+            <a:solidFill>
+              <a:schemeClr val="accent1">
+                <a:shade val="50000"/>
+              </a:schemeClr>
+            </a:solidFill>
+            <a:prstDash val="solid"/>
+          </a:ln>
+        </p:spPr>
+        <p:style>
+          <a:lnRef idx="1">
+            <a:schemeClr val="accent1"/>
+          </a:lnRef>
+          <a:fillRef idx="0">
+            <a:schemeClr val="accent1"/>
+          </a:fillRef>
+          <a:effectRef idx="0">
+            <a:schemeClr val="accent1"/>
+          </a:effectRef>
+          <a:fontRef idx="minor">
+            <a:schemeClr val="tx1"/>
+          </a:fontRef>
+        </p:style>
+      </p:cxnSp>
+      <p:grpSp>
+        <p:nvGrpSpPr>
+          <p:cNvPr id="56" name="组合 55"/>
+          <p:cNvGrpSpPr/>
+          <p:nvPr/>
+        </p:nvGrpSpPr>
+        <p:grpSpPr>
+          <a:xfrm>
+            <a:off x="3553460" y="454660"/>
+            <a:ext cx="1786255" cy="903605"/>
+            <a:chOff x="6005" y="6201"/>
+            <a:chExt cx="2813" cy="1423"/>
+          </a:xfrm>
+          <a:solidFill>
+            <a:schemeClr val="accent4"/>
+          </a:solidFill>
+        </p:grpSpPr>
+        <p:sp>
+          <p:nvSpPr>
+            <p:cNvPr id="57" name="矩形 56"/>
+            <p:cNvSpPr/>
+            <p:nvPr/>
+          </p:nvSpPr>
+          <p:spPr>
+            <a:xfrm>
+              <a:off x="6005" y="6201"/>
+              <a:ext cx="2813" cy="1423"/>
+            </a:xfrm>
+            <a:prstGeom prst="rect">
+              <a:avLst/>
+            </a:prstGeom>
+            <a:grpFill/>
+          </p:spPr>
+          <p:style>
+            <a:lnRef idx="2">
+              <a:schemeClr val="accent1">
+                <a:shade val="50000"/>
+              </a:schemeClr>
+            </a:lnRef>
+            <a:fillRef idx="1">
+              <a:schemeClr val="accent1"/>
+            </a:fillRef>
+            <a:effectRef idx="0">
+              <a:schemeClr val="accent1"/>
+            </a:effectRef>
+            <a:fontRef idx="minor">
+              <a:schemeClr val="lt1"/>
+            </a:fontRef>
+          </p:style>
+          <p:txBody>
+            <a:bodyPr rtlCol="0" anchor="ctr"/>
+            <a:p>
+              <a:pPr algn="ctr"/>
+              <a:endParaRPr lang="zh-CN" altLang="en-US"/>
+            </a:p>
+          </p:txBody>
+        </p:sp>
+        <p:sp>
+          <p:nvSpPr>
+            <p:cNvPr id="58" name="文本框 57"/>
+            <p:cNvSpPr txBox="1"/>
+            <p:nvPr/>
+          </p:nvSpPr>
+          <p:spPr>
+            <a:xfrm>
+              <a:off x="6136" y="6405"/>
+              <a:ext cx="2551" cy="1016"/>
+            </a:xfrm>
+            <a:prstGeom prst="rect">
+              <a:avLst/>
+            </a:prstGeom>
+            <a:grpFill/>
+          </p:spPr>
+          <p:txBody>
+            <a:bodyPr wrap="square" rtlCol="0">
+              <a:spAutoFit/>
+            </a:bodyPr>
+            <a:p>
+              <a:pPr algn="ctr"/>
+              <a:r>
+                <a:rPr lang="zh-CN" altLang="en-US"/>
+                <a:t>计算机组成原理</a:t>
+              </a:r>
+              <a:endParaRPr lang="zh-CN" altLang="en-US"/>
+            </a:p>
+          </p:txBody>
+        </p:sp>
+      </p:grpSp>
+      <p:cxnSp>
+        <p:nvCxnSpPr>
+          <p:cNvPr id="59" name="直接连接符 58"/>
+          <p:cNvCxnSpPr>
+            <a:stCxn id="23" idx="0"/>
+            <a:endCxn id="57" idx="2"/>
+          </p:cNvCxnSpPr>
+          <p:nvPr/>
+        </p:nvCxnSpPr>
+        <p:spPr>
+          <a:xfrm flipV="1">
+            <a:off x="4446905" y="1358265"/>
+            <a:ext cx="0" cy="922020"/>
+          </a:xfrm>
+          <a:prstGeom prst="line">
+            <a:avLst/>
+          </a:prstGeom>
+          <a:ln w="28575" cmpd="sng">
+            <a:solidFill>
+              <a:schemeClr val="accent1">
+                <a:shade val="50000"/>
+              </a:schemeClr>
+            </a:solidFill>
+            <a:prstDash val="solid"/>
+          </a:ln>
+        </p:spPr>
+        <p:style>
+          <a:lnRef idx="1">
+            <a:schemeClr val="accent1"/>
+          </a:lnRef>
+          <a:fillRef idx="0">
+            <a:schemeClr val="accent1"/>
+          </a:fillRef>
+          <a:effectRef idx="0">
+            <a:schemeClr val="accent1"/>
+          </a:effectRef>
+          <a:fontRef idx="minor">
+            <a:schemeClr val="tx1"/>
+          </a:fontRef>
+        </p:style>
+      </p:cxnSp>
+      <p:grpSp>
+        <p:nvGrpSpPr>
+          <p:cNvPr id="60" name="组合 59"/>
+          <p:cNvGrpSpPr/>
+          <p:nvPr/>
+        </p:nvGrpSpPr>
+        <p:grpSpPr>
+          <a:xfrm>
+            <a:off x="1133475" y="455295"/>
+            <a:ext cx="1786255" cy="903605"/>
+            <a:chOff x="6005" y="6201"/>
+            <a:chExt cx="2813" cy="1423"/>
+          </a:xfrm>
+          <a:solidFill>
+            <a:schemeClr val="accent4"/>
+          </a:solidFill>
+        </p:grpSpPr>
+        <p:sp>
+          <p:nvSpPr>
+            <p:cNvPr id="61" name="矩形 60"/>
+            <p:cNvSpPr/>
+            <p:nvPr/>
+          </p:nvSpPr>
+          <p:spPr>
+            <a:xfrm>
+              <a:off x="6005" y="6201"/>
+              <a:ext cx="2813" cy="1423"/>
+            </a:xfrm>
+            <a:prstGeom prst="rect">
+              <a:avLst/>
+            </a:prstGeom>
+            <a:grpFill/>
+          </p:spPr>
+          <p:style>
+            <a:lnRef idx="2">
+              <a:schemeClr val="accent1">
+                <a:shade val="50000"/>
+              </a:schemeClr>
+            </a:lnRef>
+            <a:fillRef idx="1">
+              <a:schemeClr val="accent1"/>
+            </a:fillRef>
+            <a:effectRef idx="0">
+              <a:schemeClr val="accent1"/>
+            </a:effectRef>
+            <a:fontRef idx="minor">
+              <a:schemeClr val="lt1"/>
+            </a:fontRef>
+          </p:style>
+          <p:txBody>
+            <a:bodyPr rtlCol="0" anchor="ctr"/>
+            <a:p>
+              <a:pPr algn="ctr"/>
+              <a:endParaRPr lang="zh-CN" altLang="en-US"/>
+            </a:p>
+          </p:txBody>
+        </p:sp>
+        <p:sp>
+          <p:nvSpPr>
+            <p:cNvPr id="62" name="文本框 61"/>
+            <p:cNvSpPr txBox="1"/>
+            <p:nvPr/>
+          </p:nvSpPr>
+          <p:spPr>
+            <a:xfrm>
+              <a:off x="6136" y="6405"/>
+              <a:ext cx="2551" cy="1016"/>
+            </a:xfrm>
+            <a:prstGeom prst="rect">
+              <a:avLst/>
+            </a:prstGeom>
+            <a:grpFill/>
+          </p:spPr>
+          <p:txBody>
+            <a:bodyPr wrap="square" rtlCol="0">
+              <a:spAutoFit/>
+            </a:bodyPr>
+            <a:p>
+              <a:pPr algn="ctr"/>
+              <a:r>
+                <a:rPr lang="zh-CN" altLang="en-US"/>
+                <a:t>算法设计与分析</a:t>
+              </a:r>
+              <a:endParaRPr lang="zh-CN" altLang="en-US"/>
+            </a:p>
+          </p:txBody>
+        </p:sp>
+      </p:grpSp>
+      <p:cxnSp>
+        <p:nvCxnSpPr>
+          <p:cNvPr id="63" name="直接连接符 62"/>
+          <p:cNvCxnSpPr>
+            <a:stCxn id="16" idx="0"/>
+            <a:endCxn id="61" idx="2"/>
+          </p:cNvCxnSpPr>
+          <p:nvPr/>
+        </p:nvCxnSpPr>
+        <p:spPr>
+          <a:xfrm flipH="1" flipV="1">
+            <a:off x="2026920" y="1358900"/>
+            <a:ext cx="635" cy="918845"/>
+          </a:xfrm>
+          <a:prstGeom prst="line">
+            <a:avLst/>
+          </a:prstGeom>
+          <a:ln w="28575" cmpd="sng">
+            <a:solidFill>
+              <a:schemeClr val="accent1">
+                <a:shade val="50000"/>
+              </a:schemeClr>
+            </a:solidFill>
+            <a:prstDash val="solid"/>
+          </a:ln>
+        </p:spPr>
+        <p:style>
+          <a:lnRef idx="1">
+            <a:schemeClr val="accent1"/>
+          </a:lnRef>
+          <a:fillRef idx="0">
+            <a:schemeClr val="accent1"/>
+          </a:fillRef>
+          <a:effectRef idx="0">
+            <a:schemeClr val="accent1"/>
+          </a:effectRef>
+          <a:fontRef idx="minor">
+            <a:schemeClr val="tx1"/>
+          </a:fontRef>
+        </p:style>
+      </p:cxnSp>
+      <p:grpSp>
+        <p:nvGrpSpPr>
+          <p:cNvPr id="64" name="组合 63"/>
+          <p:cNvGrpSpPr/>
+          <p:nvPr/>
+        </p:nvGrpSpPr>
+        <p:grpSpPr>
+          <a:xfrm>
+            <a:off x="9036685" y="454025"/>
+            <a:ext cx="1786255" cy="903605"/>
+            <a:chOff x="6005" y="6201"/>
+            <a:chExt cx="2813" cy="1423"/>
+          </a:xfrm>
+          <a:solidFill>
+            <a:schemeClr val="accent4"/>
+          </a:solidFill>
+        </p:grpSpPr>
+        <p:sp>
+          <p:nvSpPr>
+            <p:cNvPr id="65" name="矩形 64"/>
+            <p:cNvSpPr/>
+            <p:nvPr/>
+          </p:nvSpPr>
+          <p:spPr>
+            <a:xfrm>
+              <a:off x="6005" y="6201"/>
+              <a:ext cx="2813" cy="1423"/>
+            </a:xfrm>
+            <a:prstGeom prst="rect">
+              <a:avLst/>
+            </a:prstGeom>
+            <a:grpFill/>
+          </p:spPr>
+          <p:style>
+            <a:lnRef idx="2">
+              <a:schemeClr val="accent1">
+                <a:shade val="50000"/>
+              </a:schemeClr>
+            </a:lnRef>
+            <a:fillRef idx="1">
+              <a:schemeClr val="accent1"/>
+            </a:fillRef>
+            <a:effectRef idx="0">
+              <a:schemeClr val="accent1"/>
+            </a:effectRef>
+            <a:fontRef idx="minor">
+              <a:schemeClr val="lt1"/>
+            </a:fontRef>
+          </p:style>
+          <p:txBody>
+            <a:bodyPr rtlCol="0" anchor="ctr"/>
+            <a:p>
+              <a:pPr algn="ctr"/>
+              <a:endParaRPr lang="zh-CN" altLang="en-US"/>
+            </a:p>
+          </p:txBody>
+        </p:sp>
+        <p:sp>
+          <p:nvSpPr>
+            <p:cNvPr id="66" name="文本框 65"/>
+            <p:cNvSpPr txBox="1"/>
+            <p:nvPr/>
+          </p:nvSpPr>
+          <p:spPr>
+            <a:xfrm>
+              <a:off x="6136" y="6622"/>
+              <a:ext cx="2551" cy="580"/>
+            </a:xfrm>
+            <a:prstGeom prst="rect">
+              <a:avLst/>
+            </a:prstGeom>
+            <a:grpFill/>
+          </p:spPr>
+          <p:txBody>
+            <a:bodyPr wrap="square" rtlCol="0">
+              <a:spAutoFit/>
+            </a:bodyPr>
+            <a:p>
+              <a:pPr algn="ctr"/>
+              <a:r>
+                <a:rPr lang="zh-CN" altLang="en-US"/>
+                <a:t>数据库原理</a:t>
+              </a:r>
+              <a:endParaRPr lang="zh-CN" altLang="en-US"/>
+            </a:p>
+          </p:txBody>
+        </p:sp>
+      </p:grpSp>
+      <p:sp>
+        <p:nvSpPr>
+          <p:cNvPr id="68" name="上凸弯带形 67"/>
+          <p:cNvSpPr/>
+          <p:nvPr/>
+        </p:nvSpPr>
+        <p:spPr>
+          <a:xfrm>
+            <a:off x="5364480" y="5777230"/>
+            <a:ext cx="426720" cy="289560"/>
+          </a:xfrm>
+          <a:prstGeom prst="ellipseRibbon2">
+            <a:avLst/>
+          </a:prstGeom>
+          <a:gradFill>
+            <a:gsLst>
+              <a:gs pos="0">
+                <a:srgbClr val="E30000"/>
+              </a:gs>
+              <a:gs pos="100000">
+                <a:srgbClr val="760303"/>
+              </a:gs>
+            </a:gsLst>
+            <a:lin ang="5400000" scaled="0"/>
+          </a:gradFill>
+        </p:spPr>
+        <p:style>
+          <a:lnRef idx="2">
+            <a:schemeClr val="accent1">
+              <a:shade val="50000"/>
+            </a:schemeClr>
+          </a:lnRef>
+          <a:fillRef idx="1">
+            <a:schemeClr val="accent1"/>
+          </a:fillRef>
+          <a:effectRef idx="0">
+            <a:schemeClr val="accent1"/>
+          </a:effectRef>
+          <a:fontRef idx="minor">
+            <a:schemeClr val="lt1"/>
+          </a:fontRef>
+        </p:style>
+        <p:txBody>
+          <a:bodyPr rtlCol="0" anchor="ctr"/>
+          <a:p>
+            <a:pPr algn="ctr"/>
+            <a:endParaRPr lang="zh-CN" altLang="en-US"/>
+          </a:p>
+        </p:txBody>
+      </p:sp>
+    </p:spTree>
+  </p:cSld>
+  <p:clrMapOvr>
+    <a:masterClrMapping/>
+  </p:clrMapOvr>
+</p:sld>
+</file>
+
 <file path=ppt/tags/tag1.xml><?xml version="1.0" encoding="utf-8"?>
 <p:tagLst xmlns:p="http://schemas.openxmlformats.org/presentationml/2006/main">
   <p:tag name="KSO_WM_SLIDE_MODEL_TYPE" val="cover"/>
